--- a/spring11/slides11/slides7w.pptx
+++ b/spring11/slides11/slides7w.pptx
@@ -17891,7 +17891,7 @@
         <p:spPr>
           <a:xfrm>
             <a:off x="6768354" y="3627119"/>
-            <a:ext cx="2133918" cy="584775"/>
+            <a:ext cx="1974819" cy="584776"/>
           </a:xfrm>
           <a:prstGeom prst="rect">
             <a:avLst/>
@@ -17913,7 +17913,15 @@
                   <a:srgbClr val="0033CC"/>
                 </a:solidFill>
               </a:rPr>
-              <a:t>next week</a:t>
+              <a:t>last </a:t>
+            </a:r>
+            <a:r>
+              <a:rPr lang="en-US" dirty="0" smtClean="0">
+                <a:solidFill>
+                  <a:srgbClr val="0033CC"/>
+                </a:solidFill>
+              </a:rPr>
+              <a:t>week</a:t>
             </a:r>
             <a:endParaRPr lang="en-US" dirty="0">
               <a:solidFill>
